--- a/Selling CICD.pptx
+++ b/Selling CICD.pptx
@@ -111,6 +111,11 @@
       </a:defRPr>
     </a:lvl9pPr>
   </p:defaultTextStyle>
+  <p:extLst>
+    <p:ext uri="{EFAFB233-063F-42B5-8137-9DF3F51BA10A}">
+      <p15:sldGuideLst xmlns:p15="http://schemas.microsoft.com/office/powerpoint/2012/main"/>
+    </p:ext>
+  </p:extLst>
 </p:presentation>
 </file>
 
@@ -6420,11 +6425,6 @@
               </a:rPr>
               <a:t>Continuous Integration (CI) allows you to continuously integrate code into a single shared and easy to access repository. Continuous Delivery (CD) allows you to take the code stored in the repository and continuously deliver it to production. CI/CD creates a fast and effective process of getting your product to market before your competition as well as releasing new features and bug fixes to keep your current customers happy.</a:t>
             </a:r>
-            <a:endParaRPr lang="en-US" sz="2400" dirty="0">
-              <a:solidFill>
-                <a:schemeClr val="bg1"/>
-              </a:solidFill>
-            </a:endParaRPr>
           </a:p>
         </p:txBody>
       </p:sp>
@@ -7023,23 +7023,16 @@
           <a:lstStyle/>
           <a:p>
             <a:r>
-              <a:rPr lang="en-US" b="1" dirty="0">
+              <a:rPr lang="en-US" sz="2000" dirty="0">
                 <a:solidFill>
-                  <a:schemeClr val="accent1"/>
+                  <a:schemeClr val="accent2"/>
                 </a:solidFill>
               </a:rPr>
-              <a:t>Conclusion</a:t>
-            </a:r>
-            <a:br>
-              <a:rPr lang="en-US" b="1" dirty="0">
-                <a:solidFill>
-                  <a:schemeClr val="accent1"/>
-                </a:solidFill>
-              </a:rPr>
-            </a:br>
-            <a:endParaRPr lang="en-US" dirty="0">
+              <a:t>The rationale of CI/CD is the famous saying: ‘a penny saved is a penny earned', so here's a preview of the benefits of setting up a CI/CD pipeline:</a:t>
+            </a:r>
+            <a:endParaRPr lang="en-US" sz="2000" dirty="0">
               <a:solidFill>
-                <a:schemeClr val="accent1"/>
+                <a:schemeClr val="accent2"/>
               </a:solidFill>
             </a:endParaRPr>
           </a:p>
@@ -7055,30 +7048,131 @@
             <p:ph idx="1"/>
           </p:nvPr>
         </p:nvSpPr>
-        <p:spPr/>
-        <p:txBody>
-          <a:bodyPr/>
+        <p:spPr>
+          <a:xfrm>
+            <a:off x="1103312" y="1196788"/>
+            <a:ext cx="8946541" cy="5051611"/>
+          </a:xfrm>
+        </p:spPr>
+        <p:txBody>
+          <a:bodyPr>
+            <a:normAutofit fontScale="70000" lnSpcReduction="20000"/>
+          </a:bodyPr>
           <a:lstStyle/>
           <a:p>
-            <a:r>
-              <a:rPr lang="en-US" b="1" dirty="0" smtClean="0">
-                <a:solidFill>
-                  <a:schemeClr val="bg1"/>
-                </a:solidFill>
-              </a:rPr>
-              <a:t>CI/CD </a:t>
-            </a:r>
-            <a:r>
-              <a:rPr lang="en-US" b="1" dirty="0">
-                <a:solidFill>
-                  <a:schemeClr val="bg1"/>
-                </a:solidFill>
-              </a:rPr>
-              <a:t>will ultimately become imperative for your business - the benefits are simply too many. Migrating from the legacy software release cycles to CI/CD won’t just accelerate the time-to-market, but also result in a productive and satisfied development team.</a:t>
-            </a:r>
-          </a:p>
-          <a:p>
+            <a:pPr marL="0" indent="0">
+              <a:buNone/>
+            </a:pPr>
             <a:endParaRPr lang="en-US" dirty="0"/>
+          </a:p>
+          <a:p>
+            <a:r>
+              <a:rPr lang="en-US" sz="2300" dirty="0"/>
+              <a:t>    - Automate Infrastructure Creation:</a:t>
+            </a:r>
+          </a:p>
+          <a:p>
+            <a:r>
+              <a:rPr lang="en-US" sz="2300" dirty="0"/>
+              <a:t>        This will help to avoid cost by providing less human error, which means faster </a:t>
+            </a:r>
+            <a:r>
+              <a:rPr lang="en-US" sz="2300" dirty="0" smtClean="0"/>
+              <a:t>deployments</a:t>
+            </a:r>
+            <a:endParaRPr lang="en-US" sz="2300" dirty="0"/>
+          </a:p>
+          <a:p>
+            <a:r>
+              <a:rPr lang="en-US" sz="2300" dirty="0"/>
+              <a:t>    - Faster and More Frequent Production Deployments:</a:t>
+            </a:r>
+          </a:p>
+          <a:p>
+            <a:r>
+              <a:rPr lang="en-US" sz="2300" dirty="0"/>
+              <a:t>        This would help to increase revenue by releasing new value-generating features more </a:t>
+            </a:r>
+            <a:r>
+              <a:rPr lang="en-US" sz="2300" dirty="0" smtClean="0"/>
+              <a:t>quickly</a:t>
+            </a:r>
+            <a:endParaRPr lang="en-US" sz="2300" dirty="0"/>
+          </a:p>
+          <a:p>
+            <a:r>
+              <a:rPr lang="en-US" sz="2300" dirty="0"/>
+              <a:t>    - Automated Smoke Tests:</a:t>
+            </a:r>
+          </a:p>
+          <a:p>
+            <a:r>
+              <a:rPr lang="en-US" sz="2300" dirty="0"/>
+              <a:t>        This would help protect revenue by reducing downtime from a deploy-related crash or a major </a:t>
+            </a:r>
+            <a:r>
+              <a:rPr lang="en-US" sz="2300" dirty="0" smtClean="0"/>
+              <a:t>bug</a:t>
+            </a:r>
+            <a:endParaRPr lang="en-US" sz="2300" dirty="0"/>
+          </a:p>
+          <a:p>
+            <a:r>
+              <a:rPr lang="en-US" sz="2300" dirty="0"/>
+              <a:t>    - Detect Security Vulnerabilities:</a:t>
+            </a:r>
+          </a:p>
+          <a:p>
+            <a:r>
+              <a:rPr lang="en-US" sz="2300" dirty="0"/>
+              <a:t>        This would help to avoid cost by preventing embarrassing or costly security holes</a:t>
+            </a:r>
+            <a:r>
+              <a:rPr lang="en-US" sz="2300" dirty="0" smtClean="0"/>
+              <a:t>.</a:t>
+            </a:r>
+            <a:endParaRPr lang="en-US" sz="2300" dirty="0"/>
+          </a:p>
+          <a:p>
+            <a:r>
+              <a:rPr lang="en-US" sz="2300" dirty="0"/>
+              <a:t>    - Deploy to Production Without Manual Checks:</a:t>
+            </a:r>
+          </a:p>
+          <a:p>
+            <a:r>
+              <a:rPr lang="en-US" sz="2300" dirty="0"/>
+              <a:t>        This would help to increase revenue by making features take less time to market</a:t>
+            </a:r>
+            <a:r>
+              <a:rPr lang="en-US" sz="2300" dirty="0" smtClean="0"/>
+              <a:t>.</a:t>
+            </a:r>
+            <a:endParaRPr lang="en-US" sz="2300" dirty="0"/>
+          </a:p>
+          <a:p>
+            <a:r>
+              <a:rPr lang="en-US" sz="2300" dirty="0"/>
+              <a:t>    - Detect Security Vulnerabilities:</a:t>
+            </a:r>
+          </a:p>
+          <a:p>
+            <a:r>
+              <a:rPr lang="en-US" sz="2300" dirty="0"/>
+              <a:t>        This would help to avoid cost by preventing embarrassing or costly security holes</a:t>
+            </a:r>
+            <a:r>
+              <a:rPr lang="en-US" sz="2300" dirty="0" smtClean="0"/>
+              <a:t>.</a:t>
+            </a:r>
+            <a:endParaRPr lang="en-US" sz="2300" dirty="0"/>
+          </a:p>
+          <a:p>
+            <a:r>
+              <a:rPr lang="en-US" sz="2300" dirty="0"/>
+              <a:t>And many more …</a:t>
+            </a:r>
+            <a:endParaRPr lang="en-US" sz="2300" dirty="0"/>
           </a:p>
         </p:txBody>
       </p:sp>
